--- a/Service Versioning Proposal.pptx
+++ b/Service Versioning Proposal.pptx
@@ -1559,7 +1559,7 @@
           <a:p>
             <a:fld id="{DC116E7A-2DAB-4D5A-ACC6-C2C3DE6269CE}" type="datetimeFigureOut">
               <a:rPr lang="en-GB" smtClean="0"/>
-              <a:t>18/05/2020</a:t>
+              <a:t>19/05/2020</a:t>
             </a:fld>
             <a:endParaRPr lang="en-GB"/>
           </a:p>
@@ -3374,7 +3374,7 @@
             </a:r>
             <a:r>
               <a:rPr lang="en-GB" b="1" i="0" noProof="0" dirty="0"/>
-              <a:t>api.nationwide.co.uk</a:t>
+              <a:t>api.company.co.uk</a:t>
             </a:r>
             <a:r>
               <a:rPr lang="en-GB" b="0" i="0" noProof="0" dirty="0"/>
@@ -6617,7 +6617,7 @@
           <a:graphicData uri="http://schemas.openxmlformats.org/presentationml/2006/ole">
             <mc:AlternateContent xmlns:mc="http://schemas.openxmlformats.org/markup-compatibility/2006">
               <mc:Choice xmlns:v="urn:schemas-microsoft-com:vml" Requires="v">
-                <p:oleObj spid="_x0000_s2050" name="think-cell Slide" r:id="rId4" imgW="475" imgH="476" progId="TCLayout.ActiveDocument.1">
+                <p:oleObj spid="_x0000_s2051" name="think-cell Slide" r:id="rId4" imgW="475" imgH="476" progId="TCLayout.ActiveDocument.1">
                   <p:embed/>
                 </p:oleObj>
               </mc:Choice>
@@ -6837,82 +6837,6 @@
               <a:ea typeface="ＭＳ Ｐゴシック" panose="020B0600070205080204" pitchFamily="34" charset="-128"/>
               <a:cs typeface="NBS Light"/>
             </a:endParaRPr>
-          </a:p>
-        </p:txBody>
-      </p:sp>
-      <p:pic>
-        <p:nvPicPr>
-          <p:cNvPr id="18" name="Picture 17" descr="Nationwide BS Logo sRGB.png"/>
-          <p:cNvPicPr>
-            <a:picLocks noChangeAspect="1"/>
-          </p:cNvPicPr>
-          <p:nvPr/>
-        </p:nvPicPr>
-        <p:blipFill rotWithShape="1">
-          <a:blip r:embed="rId6">
-            <a:extLst>
-              <a:ext uri="{28A0092B-C50C-407E-A947-70E740481C1C}">
-                <a14:useLocalDpi xmlns:a14="http://schemas.microsoft.com/office/drawing/2010/main" val="0"/>
-              </a:ext>
-            </a:extLst>
-          </a:blip>
-          <a:srcRect l="8938" t="18020" r="9268" b="14259"/>
-          <a:stretch/>
-        </p:blipFill>
-        <p:spPr>
-          <a:xfrm>
-            <a:off x="977460" y="3335388"/>
-            <a:ext cx="1482725" cy="607295"/>
-          </a:xfrm>
-          <a:prstGeom prst="rect">
-            <a:avLst/>
-          </a:prstGeom>
-        </p:spPr>
-      </p:pic>
-      <p:sp>
-        <p:nvSpPr>
-          <p:cNvPr id="17" name="Rounded Rectangle 16"/>
-          <p:cNvSpPr/>
-          <p:nvPr/>
-        </p:nvSpPr>
-        <p:spPr>
-          <a:xfrm>
-            <a:off x="935488" y="3340797"/>
-            <a:ext cx="1563222" cy="409449"/>
-          </a:xfrm>
-          <a:prstGeom prst="roundRect">
-            <a:avLst>
-              <a:gd name="adj" fmla="val 13275"/>
-            </a:avLst>
-          </a:prstGeom>
-          <a:noFill/>
-          <a:ln w="6350" cmpd="sng">
-            <a:solidFill>
-              <a:schemeClr val="bg1"/>
-            </a:solidFill>
-          </a:ln>
-          <a:effectLst/>
-        </p:spPr>
-        <p:style>
-          <a:lnRef idx="1">
-            <a:schemeClr val="accent1"/>
-          </a:lnRef>
-          <a:fillRef idx="3">
-            <a:schemeClr val="accent1"/>
-          </a:fillRef>
-          <a:effectRef idx="2">
-            <a:schemeClr val="accent1"/>
-          </a:effectRef>
-          <a:fontRef idx="minor">
-            <a:schemeClr val="lt1"/>
-          </a:fontRef>
-        </p:style>
-        <p:txBody>
-          <a:bodyPr rtlCol="0" anchor="ctr"/>
-          <a:lstStyle/>
-          <a:p>
-            <a:pPr algn="ctr"/>
-            <a:endParaRPr lang="en-US" sz="1800"/>
           </a:p>
         </p:txBody>
       </p:sp>
@@ -6966,7 +6890,7 @@
           <a:graphicData uri="http://schemas.openxmlformats.org/presentationml/2006/ole">
             <mc:AlternateContent xmlns:mc="http://schemas.openxmlformats.org/markup-compatibility/2006">
               <mc:Choice xmlns:v="urn:schemas-microsoft-com:vml" Requires="v">
-                <p:oleObj spid="_x0000_s3074" name="think-cell Slide" r:id="rId4" imgW="475" imgH="476" progId="TCLayout.ActiveDocument.1">
+                <p:oleObj spid="_x0000_s3075" name="think-cell Slide" r:id="rId4" imgW="475" imgH="476" progId="TCLayout.ActiveDocument.1">
                   <p:embed/>
                 </p:oleObj>
               </mc:Choice>
@@ -7307,35 +7231,6 @@
           </a:p>
         </p:txBody>
       </p:sp>
-      <p:pic>
-        <p:nvPicPr>
-          <p:cNvPr id="11" name="Picture 10" descr="Nationwide BS Logo sRGB.png"/>
-          <p:cNvPicPr>
-            <a:picLocks noChangeAspect="1"/>
-          </p:cNvPicPr>
-          <p:nvPr/>
-        </p:nvPicPr>
-        <p:blipFill rotWithShape="1">
-          <a:blip r:embed="rId7">
-            <a:extLst>
-              <a:ext uri="{28A0092B-C50C-407E-A947-70E740481C1C}">
-                <a14:useLocalDpi xmlns:a14="http://schemas.microsoft.com/office/drawing/2010/main" val="0"/>
-              </a:ext>
-            </a:extLst>
-          </a:blip>
-          <a:srcRect l="8938" t="18020" r="9268" b="14259"/>
-          <a:stretch/>
-        </p:blipFill>
-        <p:spPr>
-          <a:xfrm>
-            <a:off x="977460" y="3335388"/>
-            <a:ext cx="1482725" cy="607295"/>
-          </a:xfrm>
-          <a:prstGeom prst="rect">
-            <a:avLst/>
-          </a:prstGeom>
-        </p:spPr>
-      </p:pic>
     </p:spTree>
     <p:extLst>
       <p:ext uri="{BB962C8B-B14F-4D97-AF65-F5344CB8AC3E}">
@@ -7386,7 +7281,7 @@
           <a:graphicData uri="http://schemas.openxmlformats.org/presentationml/2006/ole">
             <mc:AlternateContent xmlns:mc="http://schemas.openxmlformats.org/markup-compatibility/2006">
               <mc:Choice xmlns:v="urn:schemas-microsoft-com:vml" Requires="v">
-                <p:oleObj spid="_x0000_s4098" name="think-cell Slide" r:id="rId4" imgW="475" imgH="476" progId="TCLayout.ActiveDocument.1">
+                <p:oleObj spid="_x0000_s4099" name="think-cell Slide" r:id="rId4" imgW="475" imgH="476" progId="TCLayout.ActiveDocument.1">
                   <p:embed/>
                 </p:oleObj>
               </mc:Choice>
@@ -7609,35 +7504,6 @@
           </a:p>
         </p:txBody>
       </p:sp>
-      <p:pic>
-        <p:nvPicPr>
-          <p:cNvPr id="9" name="Picture 8" descr="Nationwide BS Logo sRGB.png"/>
-          <p:cNvPicPr>
-            <a:picLocks noChangeAspect="1"/>
-          </p:cNvPicPr>
-          <p:nvPr/>
-        </p:nvPicPr>
-        <p:blipFill rotWithShape="1">
-          <a:blip r:embed="rId6">
-            <a:extLst>
-              <a:ext uri="{28A0092B-C50C-407E-A947-70E740481C1C}">
-                <a14:useLocalDpi xmlns:a14="http://schemas.microsoft.com/office/drawing/2010/main" val="0"/>
-              </a:ext>
-            </a:extLst>
-          </a:blip>
-          <a:srcRect l="8938" t="18020" r="9268" b="14259"/>
-          <a:stretch/>
-        </p:blipFill>
-        <p:spPr>
-          <a:xfrm>
-            <a:off x="977460" y="3335388"/>
-            <a:ext cx="1482725" cy="607295"/>
-          </a:xfrm>
-          <a:prstGeom prst="rect">
-            <a:avLst/>
-          </a:prstGeom>
-        </p:spPr>
-      </p:pic>
     </p:spTree>
     <p:extLst>
       <p:ext uri="{BB962C8B-B14F-4D97-AF65-F5344CB8AC3E}">
@@ -7688,7 +7554,7 @@
           <a:graphicData uri="http://schemas.openxmlformats.org/presentationml/2006/ole">
             <mc:AlternateContent xmlns:mc="http://schemas.openxmlformats.org/markup-compatibility/2006">
               <mc:Choice xmlns:v="urn:schemas-microsoft-com:vml" Requires="v">
-                <p:oleObj spid="_x0000_s5122" name="think-cell Slide" r:id="rId4" imgW="475" imgH="476" progId="TCLayout.ActiveDocument.1">
+                <p:oleObj spid="_x0000_s5123" name="think-cell Slide" r:id="rId4" imgW="475" imgH="476" progId="TCLayout.ActiveDocument.1">
                   <p:embed/>
                 </p:oleObj>
               </mc:Choice>
@@ -7868,35 +7734,6 @@
           </a:p>
         </p:txBody>
       </p:sp>
-      <p:pic>
-        <p:nvPicPr>
-          <p:cNvPr id="8" name="Picture 7" descr="Nationwide BS Logo sRGB.png"/>
-          <p:cNvPicPr>
-            <a:picLocks noChangeAspect="1"/>
-          </p:cNvPicPr>
-          <p:nvPr/>
-        </p:nvPicPr>
-        <p:blipFill rotWithShape="1">
-          <a:blip r:embed="rId6">
-            <a:extLst>
-              <a:ext uri="{28A0092B-C50C-407E-A947-70E740481C1C}">
-                <a14:useLocalDpi xmlns:a14="http://schemas.microsoft.com/office/drawing/2010/main" val="0"/>
-              </a:ext>
-            </a:extLst>
-          </a:blip>
-          <a:srcRect l="8938" t="18020" r="9268" b="14259"/>
-          <a:stretch/>
-        </p:blipFill>
-        <p:spPr>
-          <a:xfrm>
-            <a:off x="977460" y="3335388"/>
-            <a:ext cx="1482725" cy="607295"/>
-          </a:xfrm>
-          <a:prstGeom prst="rect">
-            <a:avLst/>
-          </a:prstGeom>
-        </p:spPr>
-      </p:pic>
     </p:spTree>
     <p:extLst>
       <p:ext uri="{BB962C8B-B14F-4D97-AF65-F5344CB8AC3E}">
@@ -7980,35 +7817,6 @@
           </a:p>
         </p:txBody>
       </p:sp>
-      <p:pic>
-        <p:nvPicPr>
-          <p:cNvPr id="10" name="Picture 9" descr="Nationwide BS Logo sRGB.png"/>
-          <p:cNvPicPr>
-            <a:picLocks noChangeAspect="1"/>
-          </p:cNvPicPr>
-          <p:nvPr userDrawn="1"/>
-        </p:nvPicPr>
-        <p:blipFill rotWithShape="1">
-          <a:blip r:embed="rId2">
-            <a:extLst>
-              <a:ext uri="{28A0092B-C50C-407E-A947-70E740481C1C}">
-                <a14:useLocalDpi xmlns:a14="http://schemas.microsoft.com/office/drawing/2010/main" val="0"/>
-              </a:ext>
-            </a:extLst>
-          </a:blip>
-          <a:srcRect l="9269" t="18961" r="9306" b="13632"/>
-          <a:stretch/>
-        </p:blipFill>
-        <p:spPr>
-          <a:xfrm>
-            <a:off x="9192344" y="5948187"/>
-            <a:ext cx="1938867" cy="794012"/>
-          </a:xfrm>
-          <a:prstGeom prst="rect">
-            <a:avLst/>
-          </a:prstGeom>
-        </p:spPr>
-      </p:pic>
       <p:sp>
         <p:nvSpPr>
           <p:cNvPr id="8" name="Title Placeholder 1"/>
@@ -8069,7 +7877,7 @@
           <a:p>
             <a:fld id="{B60120EA-204F-4247-8AD6-FB3D00C1DADC}" type="datetime1">
               <a:rPr lang="en-GB" smtClean="0"/>
-              <a:t>18/05/2020</a:t>
+              <a:t>19/05/2020</a:t>
             </a:fld>
             <a:endParaRPr lang="en-US"/>
           </a:p>
@@ -8306,35 +8114,6 @@
           </a:p>
         </p:txBody>
       </p:sp>
-      <p:pic>
-        <p:nvPicPr>
-          <p:cNvPr id="10" name="Picture 9" descr="Nationwide BS Logo sRGB.png"/>
-          <p:cNvPicPr>
-            <a:picLocks noChangeAspect="1"/>
-          </p:cNvPicPr>
-          <p:nvPr/>
-        </p:nvPicPr>
-        <p:blipFill rotWithShape="1">
-          <a:blip r:embed="rId2">
-            <a:extLst>
-              <a:ext uri="{28A0092B-C50C-407E-A947-70E740481C1C}">
-                <a14:useLocalDpi xmlns:a14="http://schemas.microsoft.com/office/drawing/2010/main" val="0"/>
-              </a:ext>
-            </a:extLst>
-          </a:blip>
-          <a:srcRect l="9269" t="18961" r="9306" b="13632"/>
-          <a:stretch/>
-        </p:blipFill>
-        <p:spPr>
-          <a:xfrm>
-            <a:off x="9192344" y="5948187"/>
-            <a:ext cx="1938867" cy="794012"/>
-          </a:xfrm>
-          <a:prstGeom prst="rect">
-            <a:avLst/>
-          </a:prstGeom>
-        </p:spPr>
-      </p:pic>
       <p:sp>
         <p:nvSpPr>
           <p:cNvPr id="8" name="Title Placeholder 1"/>
@@ -8479,7 +8258,7 @@
           <a:p>
             <a:fld id="{E36E60C4-9B2D-4014-9366-9BCCD7A9936A}" type="datetime1">
               <a:rPr lang="en-GB" smtClean="0"/>
-              <a:t>18/05/2020</a:t>
+              <a:t>19/05/2020</a:t>
             </a:fld>
             <a:endParaRPr lang="en-US"/>
           </a:p>
@@ -8688,7 +8467,7 @@
           <a:graphicData uri="http://schemas.openxmlformats.org/presentationml/2006/ole">
             <mc:AlternateContent xmlns:mc="http://schemas.openxmlformats.org/markup-compatibility/2006">
               <mc:Choice xmlns:v="urn:schemas-microsoft-com:vml" Requires="v">
-                <p:oleObj spid="_x0000_s1026" name="think-cell Slide" r:id="rId10" imgW="475" imgH="476" progId="TCLayout.ActiveDocument.1">
+                <p:oleObj spid="_x0000_s1027" name="think-cell Slide" r:id="rId10" imgW="475" imgH="476" progId="TCLayout.ActiveDocument.1">
                   <p:embed/>
                 </p:oleObj>
               </mc:Choice>
@@ -8853,7 +8632,7 @@
           <a:p>
             <a:fld id="{657BD4F8-658E-42B8-8328-8236FB11DB12}" type="datetime1">
               <a:rPr lang="en-GB" smtClean="0"/>
-              <a:t>18/05/2020</a:t>
+              <a:t>19/05/2020</a:t>
             </a:fld>
             <a:endParaRPr lang="en-US"/>
           </a:p>
@@ -9397,7 +9176,7 @@
           <a:p>
             <a:fld id="{FD1AD1DD-51C7-44E4-B9E6-F403F4A9AC71}" type="datetime1">
               <a:rPr lang="en-GB" smtClean="0"/>
-              <a:t>18/05/2020</a:t>
+              <a:t>19/05/2020</a:t>
             </a:fld>
             <a:endParaRPr lang="en-US"/>
           </a:p>
@@ -9740,7 +9519,7 @@
           <a:p>
             <a:fld id="{B60120EA-204F-4247-8AD6-FB3D00C1DADC}" type="datetime1">
               <a:rPr lang="en-GB" smtClean="0"/>
-              <a:t>18/05/2020</a:t>
+              <a:t>19/05/2020</a:t>
             </a:fld>
             <a:endParaRPr lang="en-US"/>
           </a:p>
@@ -10057,7 +9836,7 @@
           <a:p>
             <a:fld id="{98AEB038-545E-4A0F-9400-EBE9D05DA231}" type="datetime1">
               <a:rPr lang="en-GB" smtClean="0"/>
-              <a:t>18/05/2020</a:t>
+              <a:t>19/05/2020</a:t>
             </a:fld>
             <a:endParaRPr lang="en-US"/>
           </a:p>
@@ -10299,7 +10078,7 @@
           <a:p>
             <a:fld id="{4D2769E0-83B7-496A-B827-0A7816D18D86}" type="datetime1">
               <a:rPr lang="en-GB" smtClean="0"/>
-              <a:t>18/05/2020</a:t>
+              <a:t>19/05/2020</a:t>
             </a:fld>
             <a:endParaRPr lang="en-US" dirty="0"/>
           </a:p>
@@ -12012,7 +11791,7 @@
           <a:p>
             <a:fld id="{4D2769E0-83B7-496A-B827-0A7816D18D86}" type="datetime1">
               <a:rPr lang="en-GB" smtClean="0"/>
-              <a:t>18/05/2020</a:t>
+              <a:t>19/05/2020</a:t>
             </a:fld>
             <a:endParaRPr lang="en-US" dirty="0"/>
           </a:p>
@@ -14282,7 +14061,7 @@
           <a:p>
             <a:fld id="{F3223C0C-41BD-49FF-A23E-375327924EA0}" type="datetime1">
               <a:rPr lang="en-GB" smtClean="0"/>
-              <a:t>18/05/2020</a:t>
+              <a:t>19/05/2020</a:t>
             </a:fld>
             <a:endParaRPr lang="en-US" dirty="0"/>
           </a:p>
@@ -14563,7 +14342,7 @@
           <a:p>
             <a:fld id="{FCC1025A-911F-410B-8314-4AD25B900A5B}" type="datetime1">
               <a:rPr lang="en-GB" smtClean="0"/>
-              <a:t>18/05/2020</a:t>
+              <a:t>19/05/2020</a:t>
             </a:fld>
             <a:endParaRPr lang="en-US" dirty="0"/>
           </a:p>
@@ -15712,7 +15491,7 @@
           <a:p>
             <a:fld id="{CE01A116-8BB5-4CCD-AFCA-8802A8009C46}" type="datetime1">
               <a:rPr lang="en-GB" smtClean="0"/>
-              <a:t>18/05/2020</a:t>
+              <a:t>19/05/2020</a:t>
             </a:fld>
             <a:endParaRPr lang="en-US"/>
           </a:p>
@@ -15964,7 +15743,7 @@
           <a:p>
             <a:fld id="{CE01A116-8BB5-4CCD-AFCA-8802A8009C46}" type="datetime1">
               <a:rPr lang="en-GB" smtClean="0"/>
-              <a:t>18/05/2020</a:t>
+              <a:t>19/05/2020</a:t>
             </a:fld>
             <a:endParaRPr lang="en-US"/>
           </a:p>
@@ -16099,7 +15878,7 @@
             </a:pPr>
             <a:r>
               <a:rPr lang="en-GB" dirty="0"/>
-              <a:t>A Nationwide externalizable URL</a:t>
+              <a:t>A Company externalizable URL</a:t>
             </a:r>
           </a:p>
           <a:p>
@@ -16113,7 +15892,7 @@
             </a:r>
             <a:r>
               <a:rPr lang="en-GB" b="1" dirty="0"/>
-              <a:t>api.nationwide.co.uk</a:t>
+              <a:t>api.company.co.uk</a:t>
             </a:r>
           </a:p>
           <a:p>
@@ -16250,7 +16029,7 @@
             </a:r>
             <a:r>
               <a:rPr lang="en-GB" b="1" dirty="0"/>
-              <a:t>https://api.nationwide.co.uk/si/involved-parties</a:t>
+              <a:t>https://api.company.co.uk/si/involved-parties</a:t>
             </a:r>
           </a:p>
           <a:p>
@@ -16339,7 +16118,7 @@
           <a:p>
             <a:fld id="{B60120EA-204F-4247-8AD6-FB3D00C1DADC}" type="datetime1">
               <a:rPr lang="en-GB" smtClean="0"/>
-              <a:t>18/05/2020</a:t>
+              <a:t>19/05/2020</a:t>
             </a:fld>
             <a:endParaRPr lang="en-US"/>
           </a:p>
@@ -16879,7 +16658,7 @@
           <a:p>
             <a:fld id="{AAE107A0-5794-4409-BADD-1B4E8FC087FA}" type="datetime1">
               <a:rPr lang="en-GB" smtClean="0"/>
-              <a:t>18/05/2020</a:t>
+              <a:t>19/05/2020</a:t>
             </a:fld>
             <a:endParaRPr lang="en-US" dirty="0"/>
           </a:p>
@@ -17265,7 +17044,7 @@
           <a:p>
             <a:fld id="{AAE107A0-5794-4409-BADD-1B4E8FC087FA}" type="datetime1">
               <a:rPr lang="en-GB" smtClean="0"/>
-              <a:t>18/05/2020</a:t>
+              <a:t>19/05/2020</a:t>
             </a:fld>
             <a:endParaRPr lang="en-US" dirty="0"/>
           </a:p>
@@ -24260,7 +24039,7 @@
           <a:p>
             <a:fld id="{B60120EA-204F-4247-8AD6-FB3D00C1DADC}" type="datetime1">
               <a:rPr lang="en-GB" smtClean="0"/>
-              <a:t>18/05/2020</a:t>
+              <a:t>19/05/2020</a:t>
             </a:fld>
             <a:endParaRPr lang="en-US"/>
           </a:p>
@@ -24641,7 +24420,7 @@
           <a:p>
             <a:fld id="{B60120EA-204F-4247-8AD6-FB3D00C1DADC}" type="datetime1">
               <a:rPr lang="en-GB" smtClean="0"/>
-              <a:t>18/05/2020</a:t>
+              <a:t>19/05/2020</a:t>
             </a:fld>
             <a:endParaRPr lang="en-US"/>
           </a:p>
@@ -24991,7 +24770,7 @@
           <a:p>
             <a:fld id="{9928399D-3F48-47A3-A09A-43732DFD0289}" type="datetime1">
               <a:rPr lang="en-GB" smtClean="0"/>
-              <a:t>18/05/2020</a:t>
+              <a:t>19/05/2020</a:t>
             </a:fld>
             <a:endParaRPr lang="en-US"/>
           </a:p>
@@ -25200,7 +24979,7 @@
           <a:p>
             <a:fld id="{B60120EA-204F-4247-8AD6-FB3D00C1DADC}" type="datetime1">
               <a:rPr lang="en-GB" smtClean="0"/>
-              <a:t>18/05/2020</a:t>
+              <a:t>19/05/2020</a:t>
             </a:fld>
             <a:endParaRPr lang="en-US"/>
           </a:p>
@@ -25379,7 +25158,7 @@
           <a:p>
             <a:fld id="{FCC1025A-911F-410B-8314-4AD25B900A5B}" type="datetime1">
               <a:rPr lang="en-GB" smtClean="0"/>
-              <a:t>18/05/2020</a:t>
+              <a:t>19/05/2020</a:t>
             </a:fld>
             <a:endParaRPr lang="en-US" dirty="0"/>
           </a:p>
@@ -25656,7 +25435,7 @@
           <a:p>
             <a:fld id="{E36E60C4-9B2D-4014-9366-9BCCD7A9936A}" type="datetime1">
               <a:rPr lang="en-GB" smtClean="0"/>
-              <a:t>18/05/2020</a:t>
+              <a:t>19/05/2020</a:t>
             </a:fld>
             <a:endParaRPr lang="en-US"/>
           </a:p>
@@ -26455,7 +26234,7 @@
           <a:p>
             <a:fld id="{7882F416-A7F0-4147-ABFB-AD9CBA6287D9}" type="datetime1">
               <a:rPr lang="en-GB" smtClean="0"/>
-              <a:t>18/05/2020</a:t>
+              <a:t>19/05/2020</a:t>
             </a:fld>
             <a:endParaRPr lang="en-US"/>
           </a:p>
@@ -26856,7 +26635,7 @@
           <a:p>
             <a:fld id="{CD4859CD-E1DA-4F89-9E97-B0ACA1548929}" type="datetime1">
               <a:rPr lang="en-GB" smtClean="0"/>
-              <a:t>18/05/2020</a:t>
+              <a:t>19/05/2020</a:t>
             </a:fld>
             <a:endParaRPr lang="en-US"/>
           </a:p>
@@ -27107,7 +26886,7 @@
           <a:p>
             <a:fld id="{B60120EA-204F-4247-8AD6-FB3D00C1DADC}" type="datetime1">
               <a:rPr lang="en-GB" smtClean="0"/>
-              <a:t>18/05/2020</a:t>
+              <a:t>19/05/2020</a:t>
             </a:fld>
             <a:endParaRPr lang="en-US"/>
           </a:p>
@@ -27363,7 +27142,7 @@
           <a:p>
             <a:fld id="{E36E60C4-9B2D-4014-9366-9BCCD7A9936A}" type="datetime1">
               <a:rPr lang="en-GB" smtClean="0"/>
-              <a:t>18/05/2020</a:t>
+              <a:t>19/05/2020</a:t>
             </a:fld>
             <a:endParaRPr lang="en-US"/>
           </a:p>
@@ -27650,7 +27429,7 @@
           <a:p>
             <a:fld id="{1D41F9C7-F3F3-4C8C-AA79-F83915BCEAB5}" type="datetime1">
               <a:rPr lang="en-GB" smtClean="0"/>
-              <a:t>18/05/2020</a:t>
+              <a:t>19/05/2020</a:t>
             </a:fld>
             <a:endParaRPr lang="en-US"/>
           </a:p>
@@ -27871,7 +27650,7 @@
           <a:p>
             <a:fld id="{2C1A6FB0-BA95-4199-911A-A2A8339B0FA9}" type="datetime1">
               <a:rPr lang="en-GB" smtClean="0"/>
-              <a:t>18/05/2020</a:t>
+              <a:t>19/05/2020</a:t>
             </a:fld>
             <a:endParaRPr lang="en-US" dirty="0"/>
           </a:p>
@@ -28117,7 +27896,7 @@
           <a:p>
             <a:fld id="{093816E9-A631-472D-B064-6ABE4CE565D0}" type="datetime1">
               <a:rPr lang="en-GB" smtClean="0"/>
-              <a:t>18/05/2020</a:t>
+              <a:t>19/05/2020</a:t>
             </a:fld>
             <a:endParaRPr lang="en-US"/>
           </a:p>
@@ -29043,6 +28822,24 @@
 </file>
 
 <file path=customXml/item1.xml><?xml version="1.0" encoding="utf-8"?>
+<?mso-contentType ?>
+<FormTemplates xmlns="http://schemas.microsoft.com/sharepoint/v3/contenttype/forms">
+  <Display>DocumentLibraryForm</Display>
+  <Edit>DocumentLibraryForm</Edit>
+  <New>DocumentLibraryForm</New>
+</FormTemplates>
+</file>
+
+<file path=customXml/item2.xml><?xml version="1.0" encoding="utf-8"?>
+<p:properties xmlns:p="http://schemas.microsoft.com/office/2006/metadata/properties" xmlns:xsi="http://www.w3.org/2001/XMLSchema-instance" xmlns:pc="http://schemas.microsoft.com/office/infopath/2007/PartnerControls">
+  <documentManagement>
+    <_ip_UnifiedCompliancePolicyUIAction xmlns="http://schemas.microsoft.com/sharepoint/v3" xsi:nil="true"/>
+    <_ip_UnifiedCompliancePolicyProperties xmlns="http://schemas.microsoft.com/sharepoint/v3" xsi:nil="true"/>
+  </documentManagement>
+</p:properties>
+</file>
+
+<file path=customXml/item3.xml><?xml version="1.0" encoding="utf-8"?>
 <ct:contentTypeSchema xmlns:ct="http://schemas.microsoft.com/office/2006/metadata/contentType" xmlns:ma="http://schemas.microsoft.com/office/2006/metadata/properties/metaAttributes" ct:_="" ma:_="" ma:contentTypeName="Document" ma:contentTypeID="0x0101003D632D069562EA4E9F6358CAE29CF925" ma:contentTypeVersion="15" ma:contentTypeDescription="Create a new document." ma:contentTypeScope="" ma:versionID="82c3d28fc0b3da4686c3d6c8be0dc5cb">
   <xsd:schema xmlns:xsd="http://www.w3.org/2001/XMLSchema" xmlns:xs="http://www.w3.org/2001/XMLSchema" xmlns:p="http://schemas.microsoft.com/office/2006/metadata/properties" xmlns:ns1="http://schemas.microsoft.com/sharepoint/v3" xmlns:ns3="d4ce9b28-29b6-457e-ab93-08e33f7fbe7d" xmlns:ns4="24e96a24-b685-4fc4-b4de-9be6ee6cc425" targetNamespace="http://schemas.microsoft.com/office/2006/metadata/properties" ma:root="true" ma:fieldsID="e86a204bae0fdf88a634312beaa07a44" ns1:_="" ns3:_="" ns4:_="">
     <xsd:import namespace="http://schemas.microsoft.com/sharepoint/v3"/>
@@ -29282,25 +29079,33 @@
 </ct:contentTypeSchema>
 </file>
 
-<file path=customXml/item2.xml><?xml version="1.0" encoding="utf-8"?>
-<p:properties xmlns:p="http://schemas.microsoft.com/office/2006/metadata/properties" xmlns:xsi="http://www.w3.org/2001/XMLSchema-instance" xmlns:pc="http://schemas.microsoft.com/office/infopath/2007/PartnerControls">
-  <documentManagement>
-    <_ip_UnifiedCompliancePolicyUIAction xmlns="http://schemas.microsoft.com/sharepoint/v3" xsi:nil="true"/>
-    <_ip_UnifiedCompliancePolicyProperties xmlns="http://schemas.microsoft.com/sharepoint/v3" xsi:nil="true"/>
-  </documentManagement>
-</p:properties>
+<file path=customXml/itemProps1.xml><?xml version="1.0" encoding="utf-8"?>
+<ds:datastoreItem xmlns:ds="http://schemas.openxmlformats.org/officeDocument/2006/customXml" ds:itemID="{818D9417-1F21-4F99-975E-D994D0C4382E}">
+  <ds:schemaRefs>
+    <ds:schemaRef ds:uri="http://schemas.microsoft.com/sharepoint/v3/contenttype/forms"/>
+  </ds:schemaRefs>
+</ds:datastoreItem>
 </file>
 
-<file path=customXml/item3.xml><?xml version="1.0" encoding="utf-8"?>
-<?mso-contentType ?>
-<FormTemplates xmlns="http://schemas.microsoft.com/sharepoint/v3/contenttype/forms">
-  <Display>DocumentLibraryForm</Display>
-  <Edit>DocumentLibraryForm</Edit>
-  <New>DocumentLibraryForm</New>
-</FormTemplates>
+<file path=customXml/itemProps2.xml><?xml version="1.0" encoding="utf-8"?>
+<ds:datastoreItem xmlns:ds="http://schemas.openxmlformats.org/officeDocument/2006/customXml" ds:itemID="{66222F75-8ADD-4798-BBEA-4AD0994F5CA6}">
+  <ds:schemaRefs>
+    <ds:schemaRef ds:uri="http://purl.org/dc/terms/"/>
+    <ds:schemaRef ds:uri="http://schemas.microsoft.com/office/2006/documentManagement/types"/>
+    <ds:schemaRef ds:uri="http://schemas.microsoft.com/sharepoint/v3"/>
+    <ds:schemaRef ds:uri="http://purl.org/dc/elements/1.1/"/>
+    <ds:schemaRef ds:uri="http://schemas.microsoft.com/office/2006/metadata/properties"/>
+    <ds:schemaRef ds:uri="d4ce9b28-29b6-457e-ab93-08e33f7fbe7d"/>
+    <ds:schemaRef ds:uri="24e96a24-b685-4fc4-b4de-9be6ee6cc425"/>
+    <ds:schemaRef ds:uri="http://schemas.microsoft.com/office/infopath/2007/PartnerControls"/>
+    <ds:schemaRef ds:uri="http://schemas.openxmlformats.org/package/2006/metadata/core-properties"/>
+    <ds:schemaRef ds:uri="http://www.w3.org/XML/1998/namespace"/>
+    <ds:schemaRef ds:uri="http://purl.org/dc/dcmitype/"/>
+  </ds:schemaRefs>
+</ds:datastoreItem>
 </file>
 
-<file path=customXml/itemProps1.xml><?xml version="1.0" encoding="utf-8"?>
+<file path=customXml/itemProps3.xml><?xml version="1.0" encoding="utf-8"?>
 <ds:datastoreItem xmlns:ds="http://schemas.openxmlformats.org/officeDocument/2006/customXml" ds:itemID="{27EFB9ED-88F0-403F-8A96-D3F91AB0F4EE}">
   <ds:schemaRefs>
     <ds:schemaRef ds:uri="http://schemas.microsoft.com/office/2006/metadata/contentType"/>
@@ -29318,30 +29123,4 @@
     <ds:schemaRef ds:uri="http://schemas.microsoft.com/internal/obd"/>
   </ds:schemaRefs>
 </ds:datastoreItem>
-</file>
-
-<file path=customXml/itemProps2.xml><?xml version="1.0" encoding="utf-8"?>
-<ds:datastoreItem xmlns:ds="http://schemas.openxmlformats.org/officeDocument/2006/customXml" ds:itemID="{66222F75-8ADD-4798-BBEA-4AD0994F5CA6}">
-  <ds:schemaRefs>
-    <ds:schemaRef ds:uri="http://schemas.microsoft.com/office/2006/documentManagement/types"/>
-    <ds:schemaRef ds:uri="http://schemas.openxmlformats.org/package/2006/metadata/core-properties"/>
-    <ds:schemaRef ds:uri="http://purl.org/dc/elements/1.1/"/>
-    <ds:schemaRef ds:uri="24e96a24-b685-4fc4-b4de-9be6ee6cc425"/>
-    <ds:schemaRef ds:uri="http://schemas.microsoft.com/office/infopath/2007/PartnerControls"/>
-    <ds:schemaRef ds:uri="http://purl.org/dc/terms/"/>
-    <ds:schemaRef ds:uri="d4ce9b28-29b6-457e-ab93-08e33f7fbe7d"/>
-    <ds:schemaRef ds:uri="http://schemas.microsoft.com/sharepoint/v3"/>
-    <ds:schemaRef ds:uri="http://schemas.microsoft.com/office/2006/metadata/properties"/>
-    <ds:schemaRef ds:uri="http://www.w3.org/XML/1998/namespace"/>
-    <ds:schemaRef ds:uri="http://purl.org/dc/dcmitype/"/>
-  </ds:schemaRefs>
-</ds:datastoreItem>
-</file>
-
-<file path=customXml/itemProps3.xml><?xml version="1.0" encoding="utf-8"?>
-<ds:datastoreItem xmlns:ds="http://schemas.openxmlformats.org/officeDocument/2006/customXml" ds:itemID="{818D9417-1F21-4F99-975E-D994D0C4382E}">
-  <ds:schemaRefs>
-    <ds:schemaRef ds:uri="http://schemas.microsoft.com/sharepoint/v3/contenttype/forms"/>
-  </ds:schemaRefs>
-</ds:datastoreItem>
 </file>